--- a/reference_content/Slides/Bayes_NLP2.pptx
+++ b/reference_content/Slides/Bayes_NLP2.pptx
@@ -9,11 +9,16 @@
     <p:sldId id="257" r:id="rId3"/>
     <p:sldId id="258" r:id="rId4"/>
     <p:sldId id="259" r:id="rId5"/>
-    <p:sldId id="260" r:id="rId6"/>
-    <p:sldId id="261" r:id="rId7"/>
-    <p:sldId id="262" r:id="rId8"/>
-    <p:sldId id="263" r:id="rId9"/>
-    <p:sldId id="264" r:id="rId10"/>
+    <p:sldId id="265" r:id="rId6"/>
+    <p:sldId id="266" r:id="rId7"/>
+    <p:sldId id="260" r:id="rId8"/>
+    <p:sldId id="261" r:id="rId9"/>
+    <p:sldId id="262" r:id="rId10"/>
+    <p:sldId id="268" r:id="rId11"/>
+    <p:sldId id="267" r:id="rId12"/>
+    <p:sldId id="263" r:id="rId13"/>
+    <p:sldId id="269" r:id="rId14"/>
+    <p:sldId id="264" r:id="rId15"/>
   </p:sldIdLst>
   <p:sldSz cx="12192000" cy="6858000"/>
   <p:notesSz cx="6858000" cy="9144000"/>
@@ -112,6 +117,11 @@
       </a:defRPr>
     </a:lvl9pPr>
   </p:defaultTextStyle>
+  <p:extLst>
+    <p:ext uri="{EFAFB233-063F-42B5-8137-9DF3F51BA10A}">
+      <p15:sldGuideLst xmlns:p15="http://schemas.microsoft.com/office/powerpoint/2012/main"/>
+    </p:ext>
+  </p:extLst>
 </p:presentation>
 </file>
 
@@ -254,7 +264,7 @@
           <a:p>
             <a:fld id="{1C4D3139-13C9-D140-A605-51870A8CAC8E}" type="datetimeFigureOut">
               <a:rPr lang="en-US" smtClean="0"/>
-              <a:t>2/6/22</a:t>
+              <a:t>2/14/25</a:t>
             </a:fld>
             <a:endParaRPr lang="en-US"/>
           </a:p>
@@ -465,7 +475,7 @@
           <a:p>
             <a:fld id="{1C4D3139-13C9-D140-A605-51870A8CAC8E}" type="datetimeFigureOut">
               <a:rPr lang="en-US" smtClean="0"/>
-              <a:t>2/6/22</a:t>
+              <a:t>2/14/25</a:t>
             </a:fld>
             <a:endParaRPr lang="en-US"/>
           </a:p>
@@ -680,7 +690,7 @@
           <a:p>
             <a:fld id="{1C4D3139-13C9-D140-A605-51870A8CAC8E}" type="datetimeFigureOut">
               <a:rPr lang="en-US" smtClean="0"/>
-              <a:t>2/6/22</a:t>
+              <a:t>2/14/25</a:t>
             </a:fld>
             <a:endParaRPr lang="en-US"/>
           </a:p>
@@ -881,7 +891,7 @@
           <a:p>
             <a:fld id="{1C4D3139-13C9-D140-A605-51870A8CAC8E}" type="datetimeFigureOut">
               <a:rPr lang="en-US" smtClean="0"/>
-              <a:t>2/6/22</a:t>
+              <a:t>2/14/25</a:t>
             </a:fld>
             <a:endParaRPr lang="en-US"/>
           </a:p>
@@ -1160,7 +1170,7 @@
           <a:p>
             <a:fld id="{1C4D3139-13C9-D140-A605-51870A8CAC8E}" type="datetimeFigureOut">
               <a:rPr lang="en-US" smtClean="0"/>
-              <a:t>2/6/22</a:t>
+              <a:t>2/14/25</a:t>
             </a:fld>
             <a:endParaRPr lang="en-US"/>
           </a:p>
@@ -1428,7 +1438,7 @@
           <a:p>
             <a:fld id="{1C4D3139-13C9-D140-A605-51870A8CAC8E}" type="datetimeFigureOut">
               <a:rPr lang="en-US" smtClean="0"/>
-              <a:t>2/6/22</a:t>
+              <a:t>2/14/25</a:t>
             </a:fld>
             <a:endParaRPr lang="en-US"/>
           </a:p>
@@ -1844,7 +1854,7 @@
           <a:p>
             <a:fld id="{1C4D3139-13C9-D140-A605-51870A8CAC8E}" type="datetimeFigureOut">
               <a:rPr lang="en-US" smtClean="0"/>
-              <a:t>2/6/22</a:t>
+              <a:t>2/14/25</a:t>
             </a:fld>
             <a:endParaRPr lang="en-US"/>
           </a:p>
@@ -1993,7 +2003,7 @@
           <a:p>
             <a:fld id="{1C4D3139-13C9-D140-A605-51870A8CAC8E}" type="datetimeFigureOut">
               <a:rPr lang="en-US" smtClean="0"/>
-              <a:t>2/6/22</a:t>
+              <a:t>2/14/25</a:t>
             </a:fld>
             <a:endParaRPr lang="en-US"/>
           </a:p>
@@ -2119,7 +2129,7 @@
           <a:p>
             <a:fld id="{1C4D3139-13C9-D140-A605-51870A8CAC8E}" type="datetimeFigureOut">
               <a:rPr lang="en-US" smtClean="0"/>
-              <a:t>2/6/22</a:t>
+              <a:t>2/14/25</a:t>
             </a:fld>
             <a:endParaRPr lang="en-US"/>
           </a:p>
@@ -2370,7 +2380,7 @@
           <a:p>
             <a:fld id="{1C4D3139-13C9-D140-A605-51870A8CAC8E}" type="datetimeFigureOut">
               <a:rPr lang="en-US" smtClean="0"/>
-              <a:t>2/6/22</a:t>
+              <a:t>2/14/25</a:t>
             </a:fld>
             <a:endParaRPr lang="en-US"/>
           </a:p>
@@ -2815,7 +2825,7 @@
           <a:p>
             <a:fld id="{1C4D3139-13C9-D140-A605-51870A8CAC8E}" type="datetimeFigureOut">
               <a:rPr lang="en-US" smtClean="0"/>
-              <a:t>2/6/22</a:t>
+              <a:t>2/14/25</a:t>
             </a:fld>
             <a:endParaRPr lang="en-US"/>
           </a:p>
@@ -3142,7 +3152,7 @@
           <a:p>
             <a:fld id="{1C4D3139-13C9-D140-A605-51870A8CAC8E}" type="datetimeFigureOut">
               <a:rPr lang="en-US" smtClean="0"/>
-              <a:t>2/6/22</a:t>
+              <a:t>2/14/25</a:t>
             </a:fld>
             <a:endParaRPr lang="en-US"/>
           </a:p>
@@ -3691,6 +3701,575 @@
 </p:sld>
 </file>
 
+<file path=ppt/slides/slide10.xml><?xml version="1.0" encoding="utf-8"?>
+<p:sld xmlns:a="http://schemas.openxmlformats.org/drawingml/2006/main" xmlns:r="http://schemas.openxmlformats.org/officeDocument/2006/relationships" xmlns:p="http://schemas.openxmlformats.org/presentationml/2006/main">
+  <p:cSld>
+    <p:spTree>
+      <p:nvGrpSpPr>
+        <p:cNvPr id="1" name=""/>
+        <p:cNvGrpSpPr/>
+        <p:nvPr/>
+      </p:nvGrpSpPr>
+      <p:grpSpPr>
+        <a:xfrm>
+          <a:off x="0" y="0"/>
+          <a:ext cx="0" cy="0"/>
+          <a:chOff x="0" y="0"/>
+          <a:chExt cx="0" cy="0"/>
+        </a:xfrm>
+      </p:grpSpPr>
+      <p:sp>
+        <p:nvSpPr>
+          <p:cNvPr id="2" name="Title 1">
+            <a:extLst>
+              <a:ext uri="{FF2B5EF4-FFF2-40B4-BE49-F238E27FC236}">
+                <a16:creationId xmlns:a16="http://schemas.microsoft.com/office/drawing/2014/main" id="{3F7329B4-D149-BCF7-A6A9-97DE8B979694}"/>
+              </a:ext>
+            </a:extLst>
+          </p:cNvPr>
+          <p:cNvSpPr>
+            <a:spLocks noGrp="1"/>
+          </p:cNvSpPr>
+          <p:nvPr>
+            <p:ph type="title"/>
+          </p:nvPr>
+        </p:nvSpPr>
+        <p:spPr/>
+        <p:txBody>
+          <a:bodyPr/>
+          <a:lstStyle/>
+          <a:p>
+            <a:r>
+              <a:rPr lang="en-US" dirty="0"/>
+              <a:t>LSA Results</a:t>
+            </a:r>
+          </a:p>
+        </p:txBody>
+      </p:sp>
+      <p:sp>
+        <p:nvSpPr>
+          <p:cNvPr id="3" name="Content Placeholder 2">
+            <a:extLst>
+              <a:ext uri="{FF2B5EF4-FFF2-40B4-BE49-F238E27FC236}">
+                <a16:creationId xmlns:a16="http://schemas.microsoft.com/office/drawing/2014/main" id="{C408201F-FCD5-EABB-8C1B-AB294EEF28B9}"/>
+              </a:ext>
+            </a:extLst>
+          </p:cNvPr>
+          <p:cNvSpPr>
+            <a:spLocks noGrp="1"/>
+          </p:cNvSpPr>
+          <p:nvPr>
+            <p:ph idx="1"/>
+          </p:nvPr>
+        </p:nvSpPr>
+        <p:spPr>
+          <a:xfrm>
+            <a:off x="1451579" y="2015732"/>
+            <a:ext cx="9603275" cy="4037749"/>
+          </a:xfrm>
+        </p:spPr>
+        <p:txBody>
+          <a:bodyPr/>
+          <a:lstStyle/>
+          <a:p>
+            <a:r>
+              <a:rPr lang="en-US" dirty="0"/>
+              <a:t>The output of the LSA process is that we get features that measure ‘topics’. </a:t>
+            </a:r>
+          </a:p>
+          <a:p>
+            <a:r>
+              <a:rPr lang="en-US" dirty="0"/>
+              <a:t>Each topic is extracted automatically by the algo, we don’t predefine them. </a:t>
+            </a:r>
+          </a:p>
+          <a:p>
+            <a:pPr lvl="1"/>
+            <a:r>
+              <a:rPr lang="en-US" dirty="0"/>
+              <a:t>We’ll tend to see similar words grouped into the same topics. </a:t>
+            </a:r>
+          </a:p>
+          <a:p>
+            <a:r>
+              <a:rPr lang="en-US" dirty="0"/>
+              <a:t>E.g. if we are doing sentiment on some reviews, a topic may contain, “pool”, “hot tub”, “splash”, </a:t>
+            </a:r>
+            <a:r>
+              <a:rPr lang="en-US" dirty="0" err="1"/>
+              <a:t>etc</a:t>
+            </a:r>
+            <a:r>
+              <a:rPr lang="en-US" dirty="0"/>
+              <a:t>,.. As they all convey similar meanings in the text. </a:t>
+            </a:r>
+          </a:p>
+          <a:p>
+            <a:pPr lvl="1"/>
+            <a:r>
+              <a:rPr lang="en-US" dirty="0"/>
+              <a:t>Note that it figures the meaning from what it sees, it doesn’t have a preexisting definition that X words are similar. </a:t>
+            </a:r>
+          </a:p>
+        </p:txBody>
+      </p:sp>
+    </p:spTree>
+    <p:extLst>
+      <p:ext uri="{BB962C8B-B14F-4D97-AF65-F5344CB8AC3E}">
+        <p14:creationId xmlns:p14="http://schemas.microsoft.com/office/powerpoint/2010/main" val="1896760081"/>
+      </p:ext>
+    </p:extLst>
+  </p:cSld>
+  <p:clrMapOvr>
+    <a:masterClrMapping/>
+  </p:clrMapOvr>
+</p:sld>
+</file>
+
+<file path=ppt/slides/slide11.xml><?xml version="1.0" encoding="utf-8"?>
+<p:sld xmlns:a="http://schemas.openxmlformats.org/drawingml/2006/main" xmlns:r="http://schemas.openxmlformats.org/officeDocument/2006/relationships" xmlns:p="http://schemas.openxmlformats.org/presentationml/2006/main">
+  <p:cSld>
+    <p:spTree>
+      <p:nvGrpSpPr>
+        <p:cNvPr id="1" name=""/>
+        <p:cNvGrpSpPr/>
+        <p:nvPr/>
+      </p:nvGrpSpPr>
+      <p:grpSpPr>
+        <a:xfrm>
+          <a:off x="0" y="0"/>
+          <a:ext cx="0" cy="0"/>
+          <a:chOff x="0" y="0"/>
+          <a:chExt cx="0" cy="0"/>
+        </a:xfrm>
+      </p:grpSpPr>
+      <p:sp>
+        <p:nvSpPr>
+          <p:cNvPr id="2" name="Title 1">
+            <a:extLst>
+              <a:ext uri="{FF2B5EF4-FFF2-40B4-BE49-F238E27FC236}">
+                <a16:creationId xmlns:a16="http://schemas.microsoft.com/office/drawing/2014/main" id="{D55FE3DF-2907-02D8-E6FE-A6DA6EDE96A9}"/>
+              </a:ext>
+            </a:extLst>
+          </p:cNvPr>
+          <p:cNvSpPr>
+            <a:spLocks noGrp="1"/>
+          </p:cNvSpPr>
+          <p:nvPr>
+            <p:ph type="title"/>
+          </p:nvPr>
+        </p:nvSpPr>
+        <p:spPr/>
+        <p:txBody>
+          <a:bodyPr/>
+          <a:lstStyle/>
+          <a:p>
+            <a:r>
+              <a:rPr lang="en-US" dirty="0"/>
+              <a:t>Slight Detour – Remember R2?</a:t>
+            </a:r>
+          </a:p>
+        </p:txBody>
+      </p:sp>
+      <p:sp>
+        <p:nvSpPr>
+          <p:cNvPr id="3" name="Content Placeholder 2">
+            <a:extLst>
+              <a:ext uri="{FF2B5EF4-FFF2-40B4-BE49-F238E27FC236}">
+                <a16:creationId xmlns:a16="http://schemas.microsoft.com/office/drawing/2014/main" id="{A1F7ED1F-0799-FA26-0B4B-B66676A93C27}"/>
+              </a:ext>
+            </a:extLst>
+          </p:cNvPr>
+          <p:cNvSpPr>
+            <a:spLocks noGrp="1"/>
+          </p:cNvSpPr>
+          <p:nvPr>
+            <p:ph idx="1"/>
+          </p:nvPr>
+        </p:nvSpPr>
+        <p:spPr>
+          <a:xfrm>
+            <a:off x="1451579" y="1853754"/>
+            <a:ext cx="9978421" cy="4199727"/>
+          </a:xfrm>
+        </p:spPr>
+        <p:txBody>
+          <a:bodyPr/>
+          <a:lstStyle/>
+          <a:p>
+            <a:r>
+              <a:rPr lang="en-US" dirty="0"/>
+              <a:t>One of the key metrics we use in regression is the coefficient of determination – R2. </a:t>
+            </a:r>
+          </a:p>
+          <a:p>
+            <a:r>
+              <a:rPr lang="en-US" dirty="0"/>
+              <a:t>R2 tells us the proportion of variance in the target that is explained by our model. </a:t>
+            </a:r>
+          </a:p>
+          <a:p>
+            <a:pPr lvl="1"/>
+            <a:r>
+              <a:rPr lang="en-US" dirty="0"/>
+              <a:t>i.e. an R2 of .8 for predicting lifespan means that our model accounts for 80% of the value of the target, while stuff not captured by our model is the other 20%. </a:t>
+            </a:r>
+          </a:p>
+          <a:p>
+            <a:r>
+              <a:rPr lang="en-US" dirty="0"/>
+              <a:t>When we do dimensional reduction, we can think of it like R2. (Conceptually, not literally).</a:t>
+            </a:r>
+          </a:p>
+          <a:p>
+            <a:pPr lvl="1"/>
+            <a:r>
+              <a:rPr lang="en-US" dirty="0"/>
+              <a:t>Our original M features (as a whole) capture K% of the meaning of the document. </a:t>
+            </a:r>
+          </a:p>
+          <a:p>
+            <a:pPr lvl="1"/>
+            <a:r>
+              <a:rPr lang="en-US" dirty="0"/>
+              <a:t>After reduction, we have &lt;M features, but hopefully capture ~K of the meaning. </a:t>
+            </a:r>
+          </a:p>
+          <a:p>
+            <a:pPr lvl="1"/>
+            <a:r>
+              <a:rPr lang="en-US" dirty="0"/>
+              <a:t>Each of our features captures more useful data, while we discard the non-useful parts. </a:t>
+            </a:r>
+          </a:p>
+          <a:p>
+            <a:r>
+              <a:rPr lang="en-US" dirty="0"/>
+              <a:t>We want the key info (var. of target), contained in as few features </a:t>
+            </a:r>
+            <a:r>
+              <a:rPr lang="en-US"/>
+              <a:t>as possible. </a:t>
+            </a:r>
+            <a:endParaRPr lang="en-US" dirty="0"/>
+          </a:p>
+        </p:txBody>
+      </p:sp>
+    </p:spTree>
+    <p:extLst>
+      <p:ext uri="{BB962C8B-B14F-4D97-AF65-F5344CB8AC3E}">
+        <p14:creationId xmlns:p14="http://schemas.microsoft.com/office/powerpoint/2010/main" val="1296426880"/>
+      </p:ext>
+    </p:extLst>
+  </p:cSld>
+  <p:clrMapOvr>
+    <a:masterClrMapping/>
+  </p:clrMapOvr>
+</p:sld>
+</file>
+
+<file path=ppt/slides/slide12.xml><?xml version="1.0" encoding="utf-8"?>
+<p:sld xmlns:a="http://schemas.openxmlformats.org/drawingml/2006/main" xmlns:r="http://schemas.openxmlformats.org/officeDocument/2006/relationships" xmlns:p="http://schemas.openxmlformats.org/presentationml/2006/main">
+  <p:cSld>
+    <p:spTree>
+      <p:nvGrpSpPr>
+        <p:cNvPr id="1" name=""/>
+        <p:cNvGrpSpPr/>
+        <p:nvPr/>
+      </p:nvGrpSpPr>
+      <p:grpSpPr>
+        <a:xfrm>
+          <a:off x="0" y="0"/>
+          <a:ext cx="0" cy="0"/>
+          <a:chOff x="0" y="0"/>
+          <a:chExt cx="0" cy="0"/>
+        </a:xfrm>
+      </p:grpSpPr>
+      <p:sp>
+        <p:nvSpPr>
+          <p:cNvPr id="2" name="Title 1">
+            <a:extLst>
+              <a:ext uri="{FF2B5EF4-FFF2-40B4-BE49-F238E27FC236}">
+                <a16:creationId xmlns:a16="http://schemas.microsoft.com/office/drawing/2014/main" id="{2F6D39ED-4049-484A-8A23-EF2C3DFB812B}"/>
+              </a:ext>
+            </a:extLst>
+          </p:cNvPr>
+          <p:cNvSpPr>
+            <a:spLocks noGrp="1"/>
+          </p:cNvSpPr>
+          <p:nvPr>
+            <p:ph type="title"/>
+          </p:nvPr>
+        </p:nvSpPr>
+        <p:spPr/>
+        <p:txBody>
+          <a:bodyPr/>
+          <a:lstStyle/>
+          <a:p>
+            <a:r>
+              <a:rPr lang="en-US" dirty="0"/>
+              <a:t>NLP in Practice</a:t>
+            </a:r>
+          </a:p>
+        </p:txBody>
+      </p:sp>
+      <p:sp>
+        <p:nvSpPr>
+          <p:cNvPr id="3" name="Content Placeholder 2">
+            <a:extLst>
+              <a:ext uri="{FF2B5EF4-FFF2-40B4-BE49-F238E27FC236}">
+                <a16:creationId xmlns:a16="http://schemas.microsoft.com/office/drawing/2014/main" id="{776F59CA-DD5B-E345-972A-8104869FCF33}"/>
+              </a:ext>
+            </a:extLst>
+          </p:cNvPr>
+          <p:cNvSpPr>
+            <a:spLocks noGrp="1"/>
+          </p:cNvSpPr>
+          <p:nvPr>
+            <p:ph idx="1"/>
+          </p:nvPr>
+        </p:nvSpPr>
+        <p:spPr/>
+        <p:txBody>
+          <a:bodyPr/>
+          <a:lstStyle/>
+          <a:p>
+            <a:r>
+              <a:rPr lang="en-US" dirty="0"/>
+              <a:t>NLP is an area that is very quickly developing. </a:t>
+            </a:r>
+          </a:p>
+          <a:p>
+            <a:r>
+              <a:rPr lang="en-US" dirty="0"/>
+              <a:t>More data makes a big difference!</a:t>
+            </a:r>
+          </a:p>
+          <a:p>
+            <a:pPr lvl="1"/>
+            <a:r>
+              <a:rPr lang="en-US" dirty="0"/>
+              <a:t>Language has subtleties, massive datasets allow those subtleties to become patterns. </a:t>
+            </a:r>
+          </a:p>
+          <a:p>
+            <a:r>
+              <a:rPr lang="en-US" dirty="0"/>
+              <a:t>Preprocessing choices can make massive differences:</a:t>
+            </a:r>
+          </a:p>
+          <a:p>
+            <a:pPr lvl="1"/>
+            <a:r>
+              <a:rPr lang="en-US" dirty="0"/>
+              <a:t>Stemming, lemmatization, stop words, and n-gram size all vary widely depending on context. </a:t>
+            </a:r>
+          </a:p>
+          <a:p>
+            <a:pPr lvl="1"/>
+            <a:r>
+              <a:rPr lang="en-US" dirty="0"/>
+              <a:t>E.g. the word “lit” has a different lemma on Twitter, in a college English dept, or for wildfires. </a:t>
+            </a:r>
+          </a:p>
+        </p:txBody>
+      </p:sp>
+    </p:spTree>
+    <p:extLst>
+      <p:ext uri="{BB962C8B-B14F-4D97-AF65-F5344CB8AC3E}">
+        <p14:creationId xmlns:p14="http://schemas.microsoft.com/office/powerpoint/2010/main" val="2196243548"/>
+      </p:ext>
+    </p:extLst>
+  </p:cSld>
+  <p:clrMapOvr>
+    <a:masterClrMapping/>
+  </p:clrMapOvr>
+</p:sld>
+</file>
+
+<file path=ppt/slides/slide13.xml><?xml version="1.0" encoding="utf-8"?>
+<p:sld xmlns:a="http://schemas.openxmlformats.org/drawingml/2006/main" xmlns:r="http://schemas.openxmlformats.org/officeDocument/2006/relationships" xmlns:p="http://schemas.openxmlformats.org/presentationml/2006/main">
+  <p:cSld>
+    <p:spTree>
+      <p:nvGrpSpPr>
+        <p:cNvPr id="1" name=""/>
+        <p:cNvGrpSpPr/>
+        <p:nvPr/>
+      </p:nvGrpSpPr>
+      <p:grpSpPr>
+        <a:xfrm>
+          <a:off x="0" y="0"/>
+          <a:ext cx="0" cy="0"/>
+          <a:chOff x="0" y="0"/>
+          <a:chExt cx="0" cy="0"/>
+        </a:xfrm>
+      </p:grpSpPr>
+      <p:sp>
+        <p:nvSpPr>
+          <p:cNvPr id="2" name="Title 1">
+            <a:extLst>
+              <a:ext uri="{FF2B5EF4-FFF2-40B4-BE49-F238E27FC236}">
+                <a16:creationId xmlns:a16="http://schemas.microsoft.com/office/drawing/2014/main" id="{F76EE72B-37A6-418C-FACF-2D0651A813E3}"/>
+              </a:ext>
+            </a:extLst>
+          </p:cNvPr>
+          <p:cNvSpPr>
+            <a:spLocks noGrp="1"/>
+          </p:cNvSpPr>
+          <p:nvPr>
+            <p:ph type="title"/>
+          </p:nvPr>
+        </p:nvSpPr>
+        <p:spPr/>
+        <p:txBody>
+          <a:bodyPr/>
+          <a:lstStyle/>
+          <a:p>
+            <a:r>
+              <a:rPr lang="en-US" dirty="0"/>
+              <a:t>Embeddings</a:t>
+            </a:r>
+          </a:p>
+        </p:txBody>
+      </p:sp>
+      <p:sp>
+        <p:nvSpPr>
+          <p:cNvPr id="3" name="Content Placeholder 2">
+            <a:extLst>
+              <a:ext uri="{FF2B5EF4-FFF2-40B4-BE49-F238E27FC236}">
+                <a16:creationId xmlns:a16="http://schemas.microsoft.com/office/drawing/2014/main" id="{0E6699A6-0C20-6996-3C73-04325916AD6C}"/>
+              </a:ext>
+            </a:extLst>
+          </p:cNvPr>
+          <p:cNvSpPr>
+            <a:spLocks noGrp="1"/>
+          </p:cNvSpPr>
+          <p:nvPr>
+            <p:ph idx="1"/>
+          </p:nvPr>
+        </p:nvSpPr>
+        <p:spPr/>
+        <p:txBody>
+          <a:bodyPr/>
+          <a:lstStyle/>
+          <a:p>
+            <a:endParaRPr lang="en-US"/>
+          </a:p>
+        </p:txBody>
+      </p:sp>
+    </p:spTree>
+    <p:extLst>
+      <p:ext uri="{BB962C8B-B14F-4D97-AF65-F5344CB8AC3E}">
+        <p14:creationId xmlns:p14="http://schemas.microsoft.com/office/powerpoint/2010/main" val="3630362734"/>
+      </p:ext>
+    </p:extLst>
+  </p:cSld>
+  <p:clrMapOvr>
+    <a:masterClrMapping/>
+  </p:clrMapOvr>
+</p:sld>
+</file>
+
+<file path=ppt/slides/slide14.xml><?xml version="1.0" encoding="utf-8"?>
+<p:sld xmlns:a="http://schemas.openxmlformats.org/drawingml/2006/main" xmlns:r="http://schemas.openxmlformats.org/officeDocument/2006/relationships" xmlns:p="http://schemas.openxmlformats.org/presentationml/2006/main">
+  <p:cSld>
+    <p:spTree>
+      <p:nvGrpSpPr>
+        <p:cNvPr id="1" name=""/>
+        <p:cNvGrpSpPr/>
+        <p:nvPr/>
+      </p:nvGrpSpPr>
+      <p:grpSpPr>
+        <a:xfrm>
+          <a:off x="0" y="0"/>
+          <a:ext cx="0" cy="0"/>
+          <a:chOff x="0" y="0"/>
+          <a:chExt cx="0" cy="0"/>
+        </a:xfrm>
+      </p:grpSpPr>
+      <p:sp>
+        <p:nvSpPr>
+          <p:cNvPr id="2" name="Title 1">
+            <a:extLst>
+              <a:ext uri="{FF2B5EF4-FFF2-40B4-BE49-F238E27FC236}">
+                <a16:creationId xmlns:a16="http://schemas.microsoft.com/office/drawing/2014/main" id="{984A237C-6E20-E34E-B7D9-06A3FF0331A8}"/>
+              </a:ext>
+            </a:extLst>
+          </p:cNvPr>
+          <p:cNvSpPr>
+            <a:spLocks noGrp="1"/>
+          </p:cNvSpPr>
+          <p:nvPr>
+            <p:ph type="title"/>
+          </p:nvPr>
+        </p:nvSpPr>
+        <p:spPr/>
+        <p:txBody>
+          <a:bodyPr/>
+          <a:lstStyle/>
+          <a:p>
+            <a:r>
+              <a:rPr lang="en-US" dirty="0"/>
+              <a:t>More advanced NLP</a:t>
+            </a:r>
+          </a:p>
+        </p:txBody>
+      </p:sp>
+      <p:sp>
+        <p:nvSpPr>
+          <p:cNvPr id="3" name="Content Placeholder 2">
+            <a:extLst>
+              <a:ext uri="{FF2B5EF4-FFF2-40B4-BE49-F238E27FC236}">
+                <a16:creationId xmlns:a16="http://schemas.microsoft.com/office/drawing/2014/main" id="{2CAE941D-47C9-7A41-96F7-C35BE56B8FAD}"/>
+              </a:ext>
+            </a:extLst>
+          </p:cNvPr>
+          <p:cNvSpPr>
+            <a:spLocks noGrp="1"/>
+          </p:cNvSpPr>
+          <p:nvPr>
+            <p:ph idx="1"/>
+          </p:nvPr>
+        </p:nvSpPr>
+        <p:spPr/>
+        <p:txBody>
+          <a:bodyPr/>
+          <a:lstStyle/>
+          <a:p>
+            <a:r>
+              <a:rPr lang="en-US" dirty="0"/>
+              <a:t>Many NLP tools are used in concert with neural networks. </a:t>
+            </a:r>
+          </a:p>
+          <a:p>
+            <a:pPr lvl="1"/>
+            <a:r>
+              <a:rPr lang="en-US" dirty="0"/>
+              <a:t>We’ll revisit some later on towards the end. </a:t>
+            </a:r>
+          </a:p>
+          <a:p>
+            <a:pPr lvl="1"/>
+            <a:r>
+              <a:rPr lang="en-US" dirty="0"/>
+              <a:t>NNs “suit” the challenge of extracting patterns from large datasets. </a:t>
+            </a:r>
+          </a:p>
+        </p:txBody>
+      </p:sp>
+    </p:spTree>
+    <p:extLst>
+      <p:ext uri="{BB962C8B-B14F-4D97-AF65-F5344CB8AC3E}">
+        <p14:creationId xmlns:p14="http://schemas.microsoft.com/office/powerpoint/2010/main" val="488913720"/>
+      </p:ext>
+    </p:extLst>
+  </p:cSld>
+  <p:clrMapOvr>
+    <a:masterClrMapping/>
+  </p:clrMapOvr>
+</p:sld>
+</file>
+
 <file path=ppt/slides/slide2.xml><?xml version="1.0" encoding="utf-8"?>
 <p:sld xmlns:a="http://schemas.openxmlformats.org/drawingml/2006/main" xmlns:r="http://schemas.openxmlformats.org/officeDocument/2006/relationships" xmlns:p="http://schemas.openxmlformats.org/presentationml/2006/main">
   <p:cSld>
@@ -4186,7 +4765,7 @@
           <p:cNvPr id="2" name="Title 1">
             <a:extLst>
               <a:ext uri="{FF2B5EF4-FFF2-40B4-BE49-F238E27FC236}">
-                <a16:creationId xmlns:a16="http://schemas.microsoft.com/office/drawing/2014/main" id="{9F9F0373-2B50-4840-85BA-ECD03A2E8CC8}"/>
+                <a16:creationId xmlns:a16="http://schemas.microsoft.com/office/drawing/2014/main" id="{6B496DBE-54C3-1EBF-8CBF-26669E7B3F29}"/>
               </a:ext>
             </a:extLst>
           </p:cNvPr>
@@ -4202,10 +4781,7 @@
           <a:bodyPr/>
           <a:lstStyle/>
           <a:p>
-            <a:r>
-              <a:rPr lang="en-US" dirty="0"/>
-              <a:t>Dimension Reduction</a:t>
-            </a:r>
+            <a:endParaRPr lang="en-US"/>
           </a:p>
         </p:txBody>
       </p:sp>
@@ -4214,7 +4790,7 @@
           <p:cNvPr id="3" name="Content Placeholder 2">
             <a:extLst>
               <a:ext uri="{FF2B5EF4-FFF2-40B4-BE49-F238E27FC236}">
-                <a16:creationId xmlns:a16="http://schemas.microsoft.com/office/drawing/2014/main" id="{F0329C07-EC26-2C4F-9DF1-2BA9C2BEA711}"/>
+                <a16:creationId xmlns:a16="http://schemas.microsoft.com/office/drawing/2014/main" id="{AE661D97-46A4-CA4D-5594-C66936D1F044}"/>
               </a:ext>
             </a:extLst>
           </p:cNvPr>
@@ -4230,60 +4806,14 @@
           <a:bodyPr/>
           <a:lstStyle/>
           <a:p>
-            <a:r>
-              <a:rPr lang="en-US" dirty="0"/>
-              <a:t>Feature sets for text can get massive! Probably excessively so:</a:t>
-            </a:r>
-          </a:p>
-          <a:p>
-            <a:pPr lvl="1"/>
-            <a:r>
-              <a:rPr lang="en-US" dirty="0"/>
-              <a:t># of features is often &gt; # of rows -&gt; trends towards overfitting. </a:t>
-            </a:r>
-          </a:p>
-          <a:p>
-            <a:pPr lvl="1"/>
-            <a:r>
-              <a:rPr lang="en-US" dirty="0"/>
-              <a:t>Common sense – only a subset of words really define meaning. </a:t>
-            </a:r>
-          </a:p>
-          <a:p>
-            <a:pPr lvl="1"/>
-            <a:r>
-              <a:rPr lang="en-US" dirty="0"/>
-              <a:t>Processing time can grow to be unreasonable. </a:t>
-            </a:r>
-          </a:p>
-          <a:p>
-            <a:r>
-              <a:rPr lang="en-US" dirty="0"/>
-              <a:t>Some caps can be placed on size during vectorization:</a:t>
-            </a:r>
-          </a:p>
-          <a:p>
-            <a:pPr lvl="1"/>
-            <a:r>
-              <a:rPr lang="en-US" dirty="0"/>
-              <a:t>Limit max features. </a:t>
-            </a:r>
-          </a:p>
-          <a:p>
-            <a:r>
-              <a:rPr lang="en-US" dirty="0"/>
-              <a:t>There has to be a better way!</a:t>
-            </a:r>
-          </a:p>
-          <a:p>
-            <a:endParaRPr lang="en-US" dirty="0"/>
+            <a:endParaRPr lang="en-US"/>
           </a:p>
         </p:txBody>
       </p:sp>
     </p:spTree>
     <p:extLst>
       <p:ext uri="{BB962C8B-B14F-4D97-AF65-F5344CB8AC3E}">
-        <p14:creationId xmlns:p14="http://schemas.microsoft.com/office/powerpoint/2010/main" val="4013296653"/>
+        <p14:creationId xmlns:p14="http://schemas.microsoft.com/office/powerpoint/2010/main" val="2040494940"/>
       </p:ext>
     </p:extLst>
   </p:cSld>
@@ -4315,7 +4845,7 @@
           <p:cNvPr id="2" name="Title 1">
             <a:extLst>
               <a:ext uri="{FF2B5EF4-FFF2-40B4-BE49-F238E27FC236}">
-                <a16:creationId xmlns:a16="http://schemas.microsoft.com/office/drawing/2014/main" id="{878B71F2-A6CC-D74A-B73E-8FD74DE8D2B8}"/>
+                <a16:creationId xmlns:a16="http://schemas.microsoft.com/office/drawing/2014/main" id="{5F123036-94A4-3768-1ED6-8D41C2D07CC1}"/>
               </a:ext>
             </a:extLst>
           </p:cNvPr>
@@ -4333,7 +4863,7 @@
           <a:p>
             <a:r>
               <a:rPr lang="en-US" dirty="0"/>
-              <a:t>Truncated SVD and LSA</a:t>
+              <a:t>NLP Feature Sets</a:t>
             </a:r>
           </a:p>
         </p:txBody>
@@ -4343,7 +4873,7 @@
           <p:cNvPr id="3" name="Content Placeholder 2">
             <a:extLst>
               <a:ext uri="{FF2B5EF4-FFF2-40B4-BE49-F238E27FC236}">
-                <a16:creationId xmlns:a16="http://schemas.microsoft.com/office/drawing/2014/main" id="{DE660909-3AB2-F946-BC80-4602BB028BB8}"/>
+                <a16:creationId xmlns:a16="http://schemas.microsoft.com/office/drawing/2014/main" id="{26448970-728E-62F6-DAFF-791505C53BC8}"/>
               </a:ext>
             </a:extLst>
           </p:cNvPr>
@@ -4356,77 +4886,94 @@
         </p:nvSpPr>
         <p:spPr>
           <a:xfrm>
-            <a:off x="1451579" y="2015732"/>
-            <a:ext cx="9603275" cy="4037749"/>
+            <a:off x="1451579" y="1853754"/>
+            <a:ext cx="10047694" cy="4199727"/>
           </a:xfrm>
         </p:spPr>
         <p:txBody>
-          <a:bodyPr>
-            <a:normAutofit fontScale="92500" lnSpcReduction="10000"/>
-          </a:bodyPr>
-          <a:lstStyle/>
-          <a:p>
-            <a:r>
-              <a:rPr lang="en-US" dirty="0"/>
-              <a:t>LSA is latent semantic analysis. LSA attempts to:</a:t>
+          <a:bodyPr/>
+          <a:lstStyle/>
+          <a:p>
+            <a:r>
+              <a:rPr lang="en-US" dirty="0"/>
+              <a:t>When using vectorizers to generate feature sets from text, we can get a large set:</a:t>
             </a:r>
           </a:p>
           <a:p>
             <a:pPr lvl="1"/>
             <a:r>
               <a:rPr lang="en-US" dirty="0"/>
-              <a:t>Extract meaning from large amounts of text. </a:t>
-            </a:r>
-          </a:p>
-          <a:p>
-            <a:r>
-              <a:rPr lang="en-US" dirty="0"/>
-              <a:t>LSA follows a couple of assumptions:</a:t>
+              <a:t>By ‘default’, we get one feature per word in the corpus. </a:t>
             </a:r>
           </a:p>
           <a:p>
             <a:pPr lvl="1"/>
             <a:r>
-              <a:rPr lang="en-CA" i="1" dirty="0"/>
-              <a:t>Meaning of Sentences or Documents is a sum of the meaning of all words</a:t>
-            </a:r>
-            <a:r>
-              <a:rPr lang="en-CA" dirty="0"/>
-              <a:t> occurring in it. Overall, the meaning of a certain word is an average across all the documents it occurs in.</a:t>
+              <a:rPr lang="en-US" dirty="0"/>
+              <a:t>If using n&gt;=2 grams, this can explode. </a:t>
+            </a:r>
+          </a:p>
+          <a:p>
+            <a:r>
+              <a:rPr lang="en-US" dirty="0"/>
+              <a:t>Very large (wide) feature sets can present problems. </a:t>
             </a:r>
           </a:p>
           <a:p>
             <a:pPr lvl="1"/>
             <a:r>
-              <a:rPr lang="en-CA" dirty="0"/>
-              <a:t>semantic associations between words are present not explicitly, but only latently in the large sample of language.</a:t>
-            </a:r>
-          </a:p>
-          <a:p>
-            <a:r>
-              <a:rPr lang="en-CA" dirty="0"/>
-              <a:t>Latent Semantic Analysis (LSA) comprises of certain mathematical operation to get insight on a document. This algorithm forms the basis of </a:t>
-            </a:r>
-            <a:r>
-              <a:rPr lang="en-CA" i="1" dirty="0"/>
-              <a:t>Topic Modeling</a:t>
-            </a:r>
-            <a:r>
-              <a:rPr lang="en-CA" dirty="0"/>
-              <a:t>. The core idea is to take a matrix of what we have — documents and terms — and decompose it into a separate document-topic matrix and a topic-term matrix.</a:t>
-            </a:r>
-            <a:endParaRPr lang="en-US" dirty="0"/>
+              <a:rPr lang="en-US" dirty="0"/>
+              <a:t>More features leads to more likelihood of overfitting (like in </a:t>
+            </a:r>
+            <a:r>
+              <a:rPr lang="en-US" dirty="0" err="1"/>
+              <a:t>asn</a:t>
+            </a:r>
+            <a:r>
+              <a:rPr lang="en-US" dirty="0"/>
+              <a:t> 1, or large tree examples). </a:t>
+            </a:r>
           </a:p>
           <a:p>
             <a:pPr lvl="1"/>
-            <a:endParaRPr lang="en-US" dirty="0"/>
+            <a:r>
+              <a:rPr lang="en-US" dirty="0"/>
+              <a:t>If we are going to get a good fit with many features, we will need lots of training data. </a:t>
+            </a:r>
+          </a:p>
+          <a:p>
+            <a:pPr lvl="1"/>
+            <a:r>
+              <a:rPr lang="en-US" dirty="0"/>
+              <a:t>It gets slow if the data is very large. </a:t>
+            </a:r>
+          </a:p>
+          <a:p>
+            <a:r>
+              <a:rPr lang="en-US" dirty="0"/>
+              <a:t>We can use some techniques to reduce the size to help us fit a model. </a:t>
+            </a:r>
+          </a:p>
+          <a:p>
+            <a:pPr lvl="1"/>
+            <a:r>
+              <a:rPr lang="en-US" dirty="0"/>
+              <a:t>Previously we expanded dimensions to allow for better fit by making the problem more complex. </a:t>
+            </a:r>
+          </a:p>
+          <a:p>
+            <a:pPr lvl="1"/>
+            <a:r>
+              <a:rPr lang="en-US" dirty="0"/>
+              <a:t>This makes the problem more simple, while hopefully keeping most of the ‘value’ in the data. </a:t>
+            </a:r>
           </a:p>
         </p:txBody>
       </p:sp>
     </p:spTree>
     <p:extLst>
       <p:ext uri="{BB962C8B-B14F-4D97-AF65-F5344CB8AC3E}">
-        <p14:creationId xmlns:p14="http://schemas.microsoft.com/office/powerpoint/2010/main" val="3999811635"/>
+        <p14:creationId xmlns:p14="http://schemas.microsoft.com/office/powerpoint/2010/main" val="2173600660"/>
       </p:ext>
     </p:extLst>
   </p:cSld>
@@ -4458,7 +5005,7 @@
           <p:cNvPr id="2" name="Title 1">
             <a:extLst>
               <a:ext uri="{FF2B5EF4-FFF2-40B4-BE49-F238E27FC236}">
-                <a16:creationId xmlns:a16="http://schemas.microsoft.com/office/drawing/2014/main" id="{CC8F23D9-B0A2-9F49-B568-BDB521FABCE3}"/>
+                <a16:creationId xmlns:a16="http://schemas.microsoft.com/office/drawing/2014/main" id="{9F9F0373-2B50-4840-85BA-ECD03A2E8CC8}"/>
               </a:ext>
             </a:extLst>
           </p:cNvPr>
@@ -4476,7 +5023,7 @@
           <a:p>
             <a:r>
               <a:rPr lang="en-US" dirty="0"/>
-              <a:t>Truncated SVD – Singular Value Decomposition</a:t>
+              <a:t>Dimension Reduction</a:t>
             </a:r>
           </a:p>
         </p:txBody>
@@ -4486,7 +5033,7 @@
           <p:cNvPr id="3" name="Content Placeholder 2">
             <a:extLst>
               <a:ext uri="{FF2B5EF4-FFF2-40B4-BE49-F238E27FC236}">
-                <a16:creationId xmlns:a16="http://schemas.microsoft.com/office/drawing/2014/main" id="{C80F2139-D46F-EF48-BDC6-B0C1181D3DD9}"/>
+                <a16:creationId xmlns:a16="http://schemas.microsoft.com/office/drawing/2014/main" id="{F0329C07-EC26-2C4F-9DF1-2BA9C2BEA711}"/>
               </a:ext>
             </a:extLst>
           </p:cNvPr>
@@ -4504,7 +5051,33 @@
           <a:p>
             <a:r>
               <a:rPr lang="en-US" dirty="0"/>
-              <a:t>Truncated SVD is the mathematical mechanics used for LSA.</a:t>
+              <a:t>Some caps can be placed on size during vectorization:</a:t>
+            </a:r>
+          </a:p>
+          <a:p>
+            <a:pPr lvl="1"/>
+            <a:r>
+              <a:rPr lang="en-US" dirty="0"/>
+              <a:t>Limit max features. </a:t>
+            </a:r>
+          </a:p>
+          <a:p>
+            <a:pPr lvl="1"/>
+            <a:r>
+              <a:rPr lang="en-US" dirty="0"/>
+              <a:t>This isn’t really a sophisticated method. </a:t>
+            </a:r>
+          </a:p>
+          <a:p>
+            <a:r>
+              <a:rPr lang="en-US" dirty="0"/>
+              <a:t>There has to be a better way!</a:t>
+            </a:r>
+          </a:p>
+          <a:p>
+            <a:r>
+              <a:rPr lang="en-US" dirty="0"/>
+              <a:t>Goal – create a smaller feature set that keeps as much valuable info as possible. </a:t>
             </a:r>
           </a:p>
           <a:p>
@@ -4515,7 +5088,7 @@
     </p:spTree>
     <p:extLst>
       <p:ext uri="{BB962C8B-B14F-4D97-AF65-F5344CB8AC3E}">
-        <p14:creationId xmlns:p14="http://schemas.microsoft.com/office/powerpoint/2010/main" val="1147780941"/>
+        <p14:creationId xmlns:p14="http://schemas.microsoft.com/office/powerpoint/2010/main" val="4013296653"/>
       </p:ext>
     </p:extLst>
   </p:cSld>
@@ -4547,7 +5120,7 @@
           <p:cNvPr id="2" name="Title 1">
             <a:extLst>
               <a:ext uri="{FF2B5EF4-FFF2-40B4-BE49-F238E27FC236}">
-                <a16:creationId xmlns:a16="http://schemas.microsoft.com/office/drawing/2014/main" id="{2F6D39ED-4049-484A-8A23-EF2C3DFB812B}"/>
+                <a16:creationId xmlns:a16="http://schemas.microsoft.com/office/drawing/2014/main" id="{878B71F2-A6CC-D74A-B73E-8FD74DE8D2B8}"/>
               </a:ext>
             </a:extLst>
           </p:cNvPr>
@@ -4565,7 +5138,7 @@
           <a:p>
             <a:r>
               <a:rPr lang="en-US" dirty="0"/>
-              <a:t>NLP in Practice</a:t>
+              <a:t>Truncated SVD and LSA</a:t>
             </a:r>
           </a:p>
         </p:txBody>
@@ -4575,7 +5148,7 @@
           <p:cNvPr id="3" name="Content Placeholder 2">
             <a:extLst>
               <a:ext uri="{FF2B5EF4-FFF2-40B4-BE49-F238E27FC236}">
-                <a16:creationId xmlns:a16="http://schemas.microsoft.com/office/drawing/2014/main" id="{776F59CA-DD5B-E345-972A-8104869FCF33}"/>
+                <a16:creationId xmlns:a16="http://schemas.microsoft.com/office/drawing/2014/main" id="{DE660909-3AB2-F946-BC80-4602BB028BB8}"/>
               </a:ext>
             </a:extLst>
           </p:cNvPr>
@@ -4586,55 +5159,79 @@
             <p:ph idx="1"/>
           </p:nvPr>
         </p:nvSpPr>
-        <p:spPr/>
-        <p:txBody>
-          <a:bodyPr/>
-          <a:lstStyle/>
-          <a:p>
-            <a:r>
-              <a:rPr lang="en-US" dirty="0"/>
-              <a:t>NLP is an area that is very quickly developing. </a:t>
-            </a:r>
-          </a:p>
-          <a:p>
-            <a:r>
-              <a:rPr lang="en-US" dirty="0"/>
-              <a:t>More data makes a big difference!</a:t>
+        <p:spPr>
+          <a:xfrm>
+            <a:off x="1451579" y="2015732"/>
+            <a:ext cx="9603275" cy="4037749"/>
+          </a:xfrm>
+        </p:spPr>
+        <p:txBody>
+          <a:bodyPr>
+            <a:normAutofit fontScale="92500" lnSpcReduction="10000"/>
+          </a:bodyPr>
+          <a:lstStyle/>
+          <a:p>
+            <a:r>
+              <a:rPr lang="en-US" dirty="0"/>
+              <a:t>LSA is latent semantic analysis. LSA attempts to:</a:t>
             </a:r>
           </a:p>
           <a:p>
             <a:pPr lvl="1"/>
             <a:r>
               <a:rPr lang="en-US" dirty="0"/>
-              <a:t>Language has subtleties, massive datasets allow those subtleties to become patterns. </a:t>
-            </a:r>
-          </a:p>
-          <a:p>
-            <a:r>
-              <a:rPr lang="en-US" dirty="0"/>
-              <a:t>Preprocessing choices can make massive differences:</a:t>
+              <a:t>Extract meaning from large amounts of text. </a:t>
+            </a:r>
+          </a:p>
+          <a:p>
+            <a:r>
+              <a:rPr lang="en-US" dirty="0"/>
+              <a:t>LSA follows a couple of assumptions:</a:t>
             </a:r>
           </a:p>
           <a:p>
             <a:pPr lvl="1"/>
             <a:r>
-              <a:rPr lang="en-US" dirty="0"/>
-              <a:t>Stemming, lemmatization, stop words, and n-gram size all vary widely depending on context. </a:t>
+              <a:rPr lang="en-CA" i="1" dirty="0"/>
+              <a:t>Meaning of Sentences or Documents is a sum of the meaning of all words</a:t>
+            </a:r>
+            <a:r>
+              <a:rPr lang="en-CA" dirty="0"/>
+              <a:t> occurring in it. Overall, the meaning of a certain word is an average across all the documents it occurs in.</a:t>
             </a:r>
           </a:p>
           <a:p>
             <a:pPr lvl="1"/>
             <a:r>
-              <a:rPr lang="en-US" dirty="0"/>
-              <a:t>E.g. the word “lit” has a different lemma on Twitter, in a college English dept, or for wildfires. </a:t>
-            </a:r>
+              <a:rPr lang="en-CA" dirty="0"/>
+              <a:t>semantic associations between words are present not explicitly, but only latently in the large sample of language.</a:t>
+            </a:r>
+          </a:p>
+          <a:p>
+            <a:r>
+              <a:rPr lang="en-CA" dirty="0"/>
+              <a:t>Latent Semantic Analysis (LSA) comprises of certain mathematical operation to get insight on a document. This algorithm forms the basis of </a:t>
+            </a:r>
+            <a:r>
+              <a:rPr lang="en-CA" i="1" dirty="0"/>
+              <a:t>Topic Modeling</a:t>
+            </a:r>
+            <a:r>
+              <a:rPr lang="en-CA" dirty="0"/>
+              <a:t>. The core idea is to take a matrix of what we have — documents and terms — and decompose it into a separate document-topic matrix and a topic-term matrix.</a:t>
+            </a:r>
+            <a:endParaRPr lang="en-US" dirty="0"/>
+          </a:p>
+          <a:p>
+            <a:pPr lvl="1"/>
+            <a:endParaRPr lang="en-US" dirty="0"/>
           </a:p>
         </p:txBody>
       </p:sp>
     </p:spTree>
     <p:extLst>
       <p:ext uri="{BB962C8B-B14F-4D97-AF65-F5344CB8AC3E}">
-        <p14:creationId xmlns:p14="http://schemas.microsoft.com/office/powerpoint/2010/main" val="2196243548"/>
+        <p14:creationId xmlns:p14="http://schemas.microsoft.com/office/powerpoint/2010/main" val="3999811635"/>
       </p:ext>
     </p:extLst>
   </p:cSld>
@@ -4666,7 +5263,7 @@
           <p:cNvPr id="2" name="Title 1">
             <a:extLst>
               <a:ext uri="{FF2B5EF4-FFF2-40B4-BE49-F238E27FC236}">
-                <a16:creationId xmlns:a16="http://schemas.microsoft.com/office/drawing/2014/main" id="{984A237C-6E20-E34E-B7D9-06A3FF0331A8}"/>
+                <a16:creationId xmlns:a16="http://schemas.microsoft.com/office/drawing/2014/main" id="{CC8F23D9-B0A2-9F49-B568-BDB521FABCE3}"/>
               </a:ext>
             </a:extLst>
           </p:cNvPr>
@@ -4684,7 +5281,7 @@
           <a:p>
             <a:r>
               <a:rPr lang="en-US" dirty="0"/>
-              <a:t>More advanced NLP</a:t>
+              <a:t>Truncated SVD – Singular Value Decomposition</a:t>
             </a:r>
           </a:p>
         </p:txBody>
@@ -4694,7 +5291,7 @@
           <p:cNvPr id="3" name="Content Placeholder 2">
             <a:extLst>
               <a:ext uri="{FF2B5EF4-FFF2-40B4-BE49-F238E27FC236}">
-                <a16:creationId xmlns:a16="http://schemas.microsoft.com/office/drawing/2014/main" id="{2CAE941D-47C9-7A41-96F7-C35BE56B8FAD}"/>
+                <a16:creationId xmlns:a16="http://schemas.microsoft.com/office/drawing/2014/main" id="{C80F2139-D46F-EF48-BDC6-B0C1181D3DD9}"/>
               </a:ext>
             </a:extLst>
           </p:cNvPr>
@@ -4705,28 +5302,52 @@
             <p:ph idx="1"/>
           </p:nvPr>
         </p:nvSpPr>
-        <p:spPr/>
-        <p:txBody>
-          <a:bodyPr/>
-          <a:lstStyle/>
-          <a:p>
-            <a:r>
-              <a:rPr lang="en-US" dirty="0"/>
-              <a:t>Many NLP tools are used in concert with neural networks. </a:t>
+        <p:spPr>
+          <a:xfrm>
+            <a:off x="1451579" y="2015732"/>
+            <a:ext cx="9603275" cy="4037749"/>
+          </a:xfrm>
+        </p:spPr>
+        <p:txBody>
+          <a:bodyPr/>
+          <a:lstStyle/>
+          <a:p>
+            <a:r>
+              <a:rPr lang="en-US" dirty="0"/>
+              <a:t>Truncated SVD is the mathematical mechanics used for LSA.</a:t>
             </a:r>
           </a:p>
           <a:p>
             <a:pPr lvl="1"/>
             <a:r>
               <a:rPr lang="en-US" dirty="0"/>
-              <a:t>We’ll revisit some later on towards the end. </a:t>
+              <a:t>We won’t worry about the math with this one much, we’ll look at a similar technique later (PCA) where we can look at the math more closely. </a:t>
+            </a:r>
+          </a:p>
+          <a:p>
+            <a:r>
+              <a:rPr lang="en-US" dirty="0"/>
+              <a:t>We can generate a dataset that captures the meaning of the text. </a:t>
+            </a:r>
+          </a:p>
+          <a:p>
+            <a:r>
+              <a:rPr lang="en-US" dirty="0"/>
+              <a:t>We can then use LSA to simplify that dataset to a smaller one that we’ll use to predict. </a:t>
             </a:r>
           </a:p>
           <a:p>
             <a:pPr lvl="1"/>
             <a:r>
               <a:rPr lang="en-US" dirty="0"/>
-              <a:t>NNs “suit” the challenge of extracting patterns from large datasets. </a:t>
+              <a:t>We replace the original features with new features, calculated from the original. </a:t>
+            </a:r>
+          </a:p>
+          <a:p>
+            <a:pPr lvl="1"/>
+            <a:r>
+              <a:rPr lang="en-US" dirty="0"/>
+              <a:t>Ideally each feature ‘captures more meaning’ than the original features, meaning we can do more with less. </a:t>
             </a:r>
           </a:p>
         </p:txBody>
@@ -4734,7 +5355,7 @@
     </p:spTree>
     <p:extLst>
       <p:ext uri="{BB962C8B-B14F-4D97-AF65-F5344CB8AC3E}">
-        <p14:creationId xmlns:p14="http://schemas.microsoft.com/office/powerpoint/2010/main" val="488913720"/>
+        <p14:creationId xmlns:p14="http://schemas.microsoft.com/office/powerpoint/2010/main" val="1147780941"/>
       </p:ext>
     </p:extLst>
   </p:cSld>
